--- a/Documents_batch14/PPT_batch_14.pptx
+++ b/Documents_batch14/PPT_batch_14.pptx
@@ -271,7 +271,7 @@
             <a:fld id="{08B9EBBA-996F-894A-B54A-D6246ED52CEA}" type="datetimeFigureOut">
               <a:rPr lang="en-US" smtClean="0"/>
               <a:pPr/>
-              <a:t>4/10/2023</a:t>
+              <a:t>4/11/2023</a:t>
             </a:fld>
             <a:endParaRPr lang="en-US" dirty="0"/>
           </a:p>
@@ -443,7 +443,7 @@
             <a:fld id="{C6C52C72-DE31-F449-A4ED-4C594FD91407}" type="datetimeFigureOut">
               <a:rPr lang="en-US" smtClean="0"/>
               <a:pPr/>
-              <a:t>4/10/2023</a:t>
+              <a:t>4/11/2023</a:t>
             </a:fld>
             <a:endParaRPr lang="en-US" dirty="0"/>
           </a:p>
@@ -625,7 +625,7 @@
             <a:fld id="{ED62726E-379B-B349-9EED-81ED093FA806}" type="datetimeFigureOut">
               <a:rPr lang="en-US" smtClean="0"/>
               <a:pPr/>
-              <a:t>4/10/2023</a:t>
+              <a:t>4/11/2023</a:t>
             </a:fld>
             <a:endParaRPr lang="en-US" dirty="0"/>
           </a:p>
@@ -797,7 +797,7 @@
             <a:fld id="{9B3A1323-8D79-1946-B0D7-40001CF92E9D}" type="datetimeFigureOut">
               <a:rPr lang="en-US" smtClean="0"/>
               <a:pPr/>
-              <a:t>4/10/2023</a:t>
+              <a:t>4/11/2023</a:t>
             </a:fld>
             <a:endParaRPr lang="en-US" dirty="0"/>
           </a:p>
@@ -1043,7 +1043,7 @@
             <a:fld id="{8DFA1846-DA80-1C48-A609-854EA85C59AD}" type="datetimeFigureOut">
               <a:rPr lang="en-US" smtClean="0"/>
               <a:pPr/>
-              <a:t>4/10/2023</a:t>
+              <a:t>4/11/2023</a:t>
             </a:fld>
             <a:endParaRPr lang="en-US" dirty="0"/>
           </a:p>
@@ -1277,7 +1277,7 @@
             <a:fld id="{57302355-E14B-8545-A8F8-0FE83CC9D524}" type="datetimeFigureOut">
               <a:rPr lang="en-US" smtClean="0"/>
               <a:pPr/>
-              <a:t>4/10/2023</a:t>
+              <a:t>4/11/2023</a:t>
             </a:fld>
             <a:endParaRPr lang="en-US" dirty="0"/>
           </a:p>
@@ -1646,7 +1646,7 @@
             <a:fld id="{02640F58-564D-2B4F-AE67-E407BA4FCF45}" type="datetimeFigureOut">
               <a:rPr lang="en-US" smtClean="0"/>
               <a:pPr/>
-              <a:t>4/10/2023</a:t>
+              <a:t>4/11/2023</a:t>
             </a:fld>
             <a:endParaRPr lang="en-US" dirty="0"/>
           </a:p>
@@ -1766,7 +1766,7 @@
             <a:fld id="{F13A34C8-038E-2045-AF43-DF7DBB8E0E9E}" type="datetimeFigureOut">
               <a:rPr lang="en-US" smtClean="0"/>
               <a:pPr/>
-              <a:t>4/10/2023</a:t>
+              <a:t>4/11/2023</a:t>
             </a:fld>
             <a:endParaRPr lang="en-US" dirty="0"/>
           </a:p>
@@ -1863,7 +1863,7 @@
             <a:fld id="{8818C68F-D26B-8F47-958C-23B49CF8A634}" type="datetimeFigureOut">
               <a:rPr lang="en-US" smtClean="0"/>
               <a:pPr/>
-              <a:t>4/10/2023</a:t>
+              <a:t>4/11/2023</a:t>
             </a:fld>
             <a:endParaRPr lang="en-US" dirty="0"/>
           </a:p>
@@ -2142,7 +2142,7 @@
             <a:fld id="{D0DF5E60-9974-AC48-9591-99C2BB44B7CF}" type="datetimeFigureOut">
               <a:rPr lang="en-US" smtClean="0"/>
               <a:pPr/>
-              <a:t>4/10/2023</a:t>
+              <a:t>4/11/2023</a:t>
             </a:fld>
             <a:endParaRPr lang="en-US" dirty="0"/>
           </a:p>
@@ -2401,7 +2401,7 @@
             <a:fld id="{18C79C5D-2A6F-F04D-97DA-BEF2467B64E4}" type="datetimeFigureOut">
               <a:rPr lang="en-US" smtClean="0"/>
               <a:pPr/>
-              <a:t>4/10/2023</a:t>
+              <a:t>4/11/2023</a:t>
             </a:fld>
             <a:endParaRPr lang="en-US" dirty="0"/>
           </a:p>
@@ -2616,7 +2616,7 @@
             <a:fld id="{09B482E8-6E0E-1B4F-B1FD-C69DB9E858D9}" type="datetimeFigureOut">
               <a:rPr lang="en-US" smtClean="0"/>
               <a:pPr/>
-              <a:t>4/10/2023</a:t>
+              <a:t>4/11/2023</a:t>
             </a:fld>
             <a:endParaRPr lang="en-US" dirty="0"/>
           </a:p>
@@ -3028,7 +3028,7 @@
           <p:cNvPr id="2" name="Picture 1">
             <a:extLst>
               <a:ext uri="{FF2B5EF4-FFF2-40B4-BE49-F238E27FC236}">
-                <a16:creationId xmlns="" xmlns:a16="http://schemas.microsoft.com/office/drawing/2014/main" id="{162E0073-D895-06C5-F943-BC529E528A93}"/>
+                <a16:creationId xmlns:a16="http://schemas.microsoft.com/office/drawing/2014/main" xmlns="" id="{162E0073-D895-06C5-F943-BC529E528A93}"/>
               </a:ext>
             </a:extLst>
           </p:cNvPr>
@@ -3058,7 +3058,7 @@
           <p:cNvPr id="3" name="Picture 8" descr="Anna University - Wikipedia">
             <a:extLst>
               <a:ext uri="{FF2B5EF4-FFF2-40B4-BE49-F238E27FC236}">
-                <a16:creationId xmlns="" xmlns:a16="http://schemas.microsoft.com/office/drawing/2014/main" id="{728C37FE-FA33-093F-FA5F-F0A530BB7DB4}"/>
+                <a16:creationId xmlns:a16="http://schemas.microsoft.com/office/drawing/2014/main" xmlns="" id="{728C37FE-FA33-093F-FA5F-F0A530BB7DB4}"/>
               </a:ext>
             </a:extLst>
           </p:cNvPr>
@@ -3105,7 +3105,7 @@
           <p:cNvPr id="4" name="TextBox 3">
             <a:extLst>
               <a:ext uri="{FF2B5EF4-FFF2-40B4-BE49-F238E27FC236}">
-                <a16:creationId xmlns="" xmlns:a16="http://schemas.microsoft.com/office/drawing/2014/main" id="{DAC0B04C-F238-D03F-ACD8-91A2E2A61468}"/>
+                <a16:creationId xmlns:a16="http://schemas.microsoft.com/office/drawing/2014/main" xmlns="" id="{DAC0B04C-F238-D03F-ACD8-91A2E2A61468}"/>
               </a:ext>
             </a:extLst>
           </p:cNvPr>
@@ -3150,7 +3150,7 @@
           <p:cNvPr id="5" name="TextBox 4">
             <a:extLst>
               <a:ext uri="{FF2B5EF4-FFF2-40B4-BE49-F238E27FC236}">
-                <a16:creationId xmlns="" xmlns:a16="http://schemas.microsoft.com/office/drawing/2014/main" id="{68CB4141-41CB-AA19-3AE8-A83962151F03}"/>
+                <a16:creationId xmlns:a16="http://schemas.microsoft.com/office/drawing/2014/main" xmlns="" id="{68CB4141-41CB-AA19-3AE8-A83962151F03}"/>
               </a:ext>
             </a:extLst>
           </p:cNvPr>
@@ -3193,7 +3193,7 @@
           <p:cNvPr id="6" name="TextBox 5">
             <a:extLst>
               <a:ext uri="{FF2B5EF4-FFF2-40B4-BE49-F238E27FC236}">
-                <a16:creationId xmlns="" xmlns:a16="http://schemas.microsoft.com/office/drawing/2014/main" id="{95929E07-84B3-1479-4F7E-7AC59E33B29A}"/>
+                <a16:creationId xmlns:a16="http://schemas.microsoft.com/office/drawing/2014/main" xmlns="" id="{95929E07-84B3-1479-4F7E-7AC59E33B29A}"/>
               </a:ext>
             </a:extLst>
           </p:cNvPr>
@@ -3276,7 +3276,7 @@
           <p:cNvPr id="7" name="TextBox 6">
             <a:extLst>
               <a:ext uri="{FF2B5EF4-FFF2-40B4-BE49-F238E27FC236}">
-                <a16:creationId xmlns="" xmlns:a16="http://schemas.microsoft.com/office/drawing/2014/main" id="{F7C7F993-1BA2-FDDC-F06E-8BFEEF7B6BFE}"/>
+                <a16:creationId xmlns:a16="http://schemas.microsoft.com/office/drawing/2014/main" xmlns="" id="{F7C7F993-1BA2-FDDC-F06E-8BFEEF7B6BFE}"/>
               </a:ext>
             </a:extLst>
           </p:cNvPr>
@@ -3358,7 +3358,7 @@
           <p:cNvPr id="8" name="TextBox 7">
             <a:extLst>
               <a:ext uri="{FF2B5EF4-FFF2-40B4-BE49-F238E27FC236}">
-                <a16:creationId xmlns="" xmlns:a16="http://schemas.microsoft.com/office/drawing/2014/main" id="{0EF7EE06-2BD6-8DF6-233A-2BCF1BF5AABB}"/>
+                <a16:creationId xmlns:a16="http://schemas.microsoft.com/office/drawing/2014/main" xmlns="" id="{0EF7EE06-2BD6-8DF6-233A-2BCF1BF5AABB}"/>
               </a:ext>
             </a:extLst>
           </p:cNvPr>
@@ -3402,21 +3402,7 @@
                 <a:latin typeface="Times New Roman" panose="02020603050405020304" pitchFamily="18" charset="0"/>
                 <a:cs typeface="Times New Roman" panose="02020603050405020304" pitchFamily="18" charset="0"/>
               </a:rPr>
-              <a:t> </a:t>
-            </a:r>
-            <a:r>
-              <a:rPr lang="en-US" b="1" dirty="0" smtClean="0">
-                <a:latin typeface="Times New Roman" panose="02020603050405020304" pitchFamily="18" charset="0"/>
-                <a:cs typeface="Times New Roman" panose="02020603050405020304" pitchFamily="18" charset="0"/>
-              </a:rPr>
-              <a:t>K,M.E</a:t>
-            </a:r>
-            <a:r>
-              <a:rPr lang="en-US" b="1" dirty="0" smtClean="0">
-                <a:latin typeface="Times New Roman" panose="02020603050405020304" pitchFamily="18" charset="0"/>
-                <a:cs typeface="Times New Roman" panose="02020603050405020304" pitchFamily="18" charset="0"/>
-              </a:rPr>
-              <a:t>, Ph.D.</a:t>
+              <a:t> K,M.E, Ph.D.</a:t>
             </a:r>
             <a:endParaRPr lang="en-US" b="1" dirty="0">
               <a:latin typeface="Times New Roman" panose="02020603050405020304" pitchFamily="18" charset="0"/>
@@ -3443,7 +3429,7 @@
           <p:cNvPr id="9" name="Picture 8">
             <a:extLst>
               <a:ext uri="{FF2B5EF4-FFF2-40B4-BE49-F238E27FC236}">
-                <a16:creationId xmlns="" xmlns:a16="http://schemas.microsoft.com/office/drawing/2014/main" id="{91D7C240-87C5-9A22-7FBF-6CD9FEEDF4B3}"/>
+                <a16:creationId xmlns:a16="http://schemas.microsoft.com/office/drawing/2014/main" xmlns="" id="{91D7C240-87C5-9A22-7FBF-6CD9FEEDF4B3}"/>
               </a:ext>
             </a:extLst>
           </p:cNvPr>
@@ -3522,7 +3508,7 @@
           <p:cNvPr id="2" name="Title 1">
             <a:extLst>
               <a:ext uri="{FF2B5EF4-FFF2-40B4-BE49-F238E27FC236}">
-                <a16:creationId xmlns="" xmlns:a16="http://schemas.microsoft.com/office/drawing/2014/main" id="{467CB153-7BED-3FBC-DDF7-D463E4C38A4A}"/>
+                <a16:creationId xmlns:a16="http://schemas.microsoft.com/office/drawing/2014/main" xmlns="" id="{467CB153-7BED-3FBC-DDF7-D463E4C38A4A}"/>
               </a:ext>
             </a:extLst>
           </p:cNvPr>
@@ -3565,7 +3551,7 @@
           <p:cNvPr id="3" name="Content Placeholder 2">
             <a:extLst>
               <a:ext uri="{FF2B5EF4-FFF2-40B4-BE49-F238E27FC236}">
-                <a16:creationId xmlns="" xmlns:a16="http://schemas.microsoft.com/office/drawing/2014/main" id="{D6E063DF-B72D-7476-84E2-B14D1F1D6287}"/>
+                <a16:creationId xmlns:a16="http://schemas.microsoft.com/office/drawing/2014/main" xmlns="" id="{D6E063DF-B72D-7476-84E2-B14D1F1D6287}"/>
               </a:ext>
             </a:extLst>
           </p:cNvPr>
@@ -3693,7 +3679,7 @@
           <p:cNvPr id="4" name="Content Placeholder 3">
             <a:extLst>
               <a:ext uri="{FF2B5EF4-FFF2-40B4-BE49-F238E27FC236}">
-                <a16:creationId xmlns="" xmlns:a16="http://schemas.microsoft.com/office/drawing/2014/main" id="{968685E7-CFE2-ADA9-9F5D-3A0FB2229ADA}"/>
+                <a16:creationId xmlns:a16="http://schemas.microsoft.com/office/drawing/2014/main" xmlns="" id="{968685E7-CFE2-ADA9-9F5D-3A0FB2229ADA}"/>
               </a:ext>
             </a:extLst>
           </p:cNvPr>
@@ -3895,8 +3881,8 @@
         </p:nvSpPr>
         <p:spPr>
           <a:xfrm>
-            <a:off x="461390" y="2282869"/>
-            <a:ext cx="2387600" cy="415498"/>
+            <a:off x="-108158" y="2531979"/>
+            <a:ext cx="3893458" cy="415498"/>
           </a:xfrm>
           <a:prstGeom prst="rect">
             <a:avLst/>
@@ -3914,8 +3900,26 @@
                 <a:latin typeface="Times New Roman" panose="02020603050405020304" pitchFamily="18" charset="0"/>
                 <a:cs typeface="Times New Roman" panose="02020603050405020304" pitchFamily="18" charset="0"/>
               </a:rPr>
-              <a:t>            Website</a:t>
-            </a:r>
+              <a:t>           </a:t>
+            </a:r>
+            <a:r>
+              <a:rPr lang="en-IN" sz="2100" dirty="0" err="1" smtClean="0">
+                <a:latin typeface="Times New Roman" panose="02020603050405020304" pitchFamily="18" charset="0"/>
+                <a:cs typeface="Times New Roman" panose="02020603050405020304" pitchFamily="18" charset="0"/>
+              </a:rPr>
+              <a:t>Jupyter</a:t>
+            </a:r>
+            <a:r>
+              <a:rPr lang="en-IN" sz="2100" dirty="0" smtClean="0">
+                <a:latin typeface="Times New Roman" panose="02020603050405020304" pitchFamily="18" charset="0"/>
+                <a:cs typeface="Times New Roman" panose="02020603050405020304" pitchFamily="18" charset="0"/>
+              </a:rPr>
+              <a:t> Notebook</a:t>
+            </a:r>
+            <a:endParaRPr lang="en-IN" sz="2100" dirty="0">
+              <a:latin typeface="Times New Roman" panose="02020603050405020304" pitchFamily="18" charset="0"/>
+              <a:cs typeface="Times New Roman" panose="02020603050405020304" pitchFamily="18" charset="0"/>
+            </a:endParaRPr>
           </a:p>
         </p:txBody>
       </p:sp>
@@ -4612,6 +4616,35 @@
               </a14:hiddenFill>
             </a:ext>
           </a:extLst>
+        </p:spPr>
+      </p:pic>
+      <p:pic>
+        <p:nvPicPr>
+          <p:cNvPr id="3" name="Picture 2"/>
+          <p:cNvPicPr>
+            <a:picLocks noChangeAspect="1"/>
+          </p:cNvPicPr>
+          <p:nvPr/>
+        </p:nvPicPr>
+        <p:blipFill rotWithShape="1">
+          <a:blip r:embed="rId12">
+            <a:extLst>
+              <a:ext uri="{28A0092B-C50C-407E-A947-70E740481C1C}">
+                <a14:useLocalDpi xmlns:a14="http://schemas.microsoft.com/office/drawing/2010/main" val="0"/>
+              </a:ext>
+            </a:extLst>
+          </a:blip>
+          <a:srcRect l="25488" r="23301"/>
+          <a:stretch/>
+        </p:blipFill>
+        <p:spPr>
+          <a:xfrm>
+            <a:off x="936917" y="1053039"/>
+            <a:ext cx="1512000" cy="1552575"/>
+          </a:xfrm>
+          <a:prstGeom prst="rect">
+            <a:avLst/>
+          </a:prstGeom>
         </p:spPr>
       </p:pic>
     </p:spTree>
@@ -4744,7 +4777,7 @@
           <p:cNvPr id="2" name="Title 1">
             <a:extLst>
               <a:ext uri="{FF2B5EF4-FFF2-40B4-BE49-F238E27FC236}">
-                <a16:creationId xmlns="" xmlns:a16="http://schemas.microsoft.com/office/drawing/2014/main" id="{B6F41DD3-ED80-8A9F-A0BB-5271710DB175}"/>
+                <a16:creationId xmlns:a16="http://schemas.microsoft.com/office/drawing/2014/main" xmlns="" id="{B6F41DD3-ED80-8A9F-A0BB-5271710DB175}"/>
               </a:ext>
             </a:extLst>
           </p:cNvPr>
@@ -4791,7 +4824,7 @@
           <p:cNvPr id="4" name="drawingObject33">
             <a:extLst>
               <a:ext uri="{FF2B5EF4-FFF2-40B4-BE49-F238E27FC236}">
-                <a16:creationId xmlns="" xmlns:a16="http://schemas.microsoft.com/office/drawing/2014/main" id="{B1C999E0-68DB-55E8-04D1-D4A7F9D2325E}"/>
+                <a16:creationId xmlns:a16="http://schemas.microsoft.com/office/drawing/2014/main" xmlns="" id="{B1C999E0-68DB-55E8-04D1-D4A7F9D2325E}"/>
               </a:ext>
             </a:extLst>
           </p:cNvPr>
@@ -4822,7 +4855,7 @@
           <p:cNvPr id="6" name="TextBox 5">
             <a:extLst>
               <a:ext uri="{FF2B5EF4-FFF2-40B4-BE49-F238E27FC236}">
-                <a16:creationId xmlns="" xmlns:a16="http://schemas.microsoft.com/office/drawing/2014/main" id="{8BD07CE6-F3AD-F57E-1E0E-A178248E28A9}"/>
+                <a16:creationId xmlns:a16="http://schemas.microsoft.com/office/drawing/2014/main" xmlns="" id="{8BD07CE6-F3AD-F57E-1E0E-A178248E28A9}"/>
               </a:ext>
             </a:extLst>
           </p:cNvPr>
@@ -4917,7 +4950,7 @@
           <p:cNvPr id="2" name="Title 1">
             <a:extLst>
               <a:ext uri="{FF2B5EF4-FFF2-40B4-BE49-F238E27FC236}">
-                <a16:creationId xmlns="" xmlns:a16="http://schemas.microsoft.com/office/drawing/2014/main" id="{8616D69E-2D0A-251E-0417-C6E84B8A4BF1}"/>
+                <a16:creationId xmlns:a16="http://schemas.microsoft.com/office/drawing/2014/main" xmlns="" id="{8616D69E-2D0A-251E-0417-C6E84B8A4BF1}"/>
               </a:ext>
             </a:extLst>
           </p:cNvPr>
@@ -4958,7 +4991,7 @@
           <p:cNvPr id="3" name="drawingObject31">
             <a:extLst>
               <a:ext uri="{FF2B5EF4-FFF2-40B4-BE49-F238E27FC236}">
-                <a16:creationId xmlns="" xmlns:a16="http://schemas.microsoft.com/office/drawing/2014/main" id="{0C31C2AB-AF0F-F52D-0961-F607F2F43C63}"/>
+                <a16:creationId xmlns:a16="http://schemas.microsoft.com/office/drawing/2014/main" xmlns="" id="{0C31C2AB-AF0F-F52D-0961-F607F2F43C63}"/>
               </a:ext>
             </a:extLst>
           </p:cNvPr>
@@ -4985,7 +5018,7 @@
           <p:cNvPr id="5" name="TextBox 4">
             <a:extLst>
               <a:ext uri="{FF2B5EF4-FFF2-40B4-BE49-F238E27FC236}">
-                <a16:creationId xmlns="" xmlns:a16="http://schemas.microsoft.com/office/drawing/2014/main" id="{49B7C79B-03C4-696E-83B4-475CEE7CFA8A}"/>
+                <a16:creationId xmlns:a16="http://schemas.microsoft.com/office/drawing/2014/main" xmlns="" id="{49B7C79B-03C4-696E-83B4-475CEE7CFA8A}"/>
               </a:ext>
             </a:extLst>
           </p:cNvPr>
@@ -5021,6 +5054,87 @@
               <a:t>System Design - Flow Chart/DFD/ER </a:t>
             </a:r>
             <a:endParaRPr lang="en-IN" sz="3600" dirty="0"/>
+          </a:p>
+        </p:txBody>
+      </p:sp>
+      <p:sp>
+        <p:nvSpPr>
+          <p:cNvPr id="4" name="Oval 3"/>
+          <p:cNvSpPr/>
+          <p:nvPr/>
+        </p:nvSpPr>
+        <p:spPr>
+          <a:xfrm>
+            <a:off x="1417320" y="3394693"/>
+            <a:ext cx="1366520" cy="736600"/>
+          </a:xfrm>
+          <a:prstGeom prst="ellipse">
+            <a:avLst/>
+          </a:prstGeom>
+        </p:spPr>
+        <p:style>
+          <a:lnRef idx="2">
+            <a:schemeClr val="accent3"/>
+          </a:lnRef>
+          <a:fillRef idx="1">
+            <a:schemeClr val="lt1"/>
+          </a:fillRef>
+          <a:effectRef idx="0">
+            <a:schemeClr val="accent3"/>
+          </a:effectRef>
+          <a:fontRef idx="minor">
+            <a:schemeClr val="dk1"/>
+          </a:fontRef>
+        </p:style>
+        <p:txBody>
+          <a:bodyPr rtlCol="0" anchor="ctr"/>
+          <a:lstStyle/>
+          <a:p>
+            <a:pPr algn="ctr"/>
+            <a:endParaRPr lang="en-IN"/>
+          </a:p>
+        </p:txBody>
+      </p:sp>
+      <p:sp>
+        <p:nvSpPr>
+          <p:cNvPr id="6" name="TextBox 5"/>
+          <p:cNvSpPr txBox="1"/>
+          <p:nvPr/>
+        </p:nvSpPr>
+        <p:spPr>
+          <a:xfrm>
+            <a:off x="1579880" y="3500787"/>
+            <a:ext cx="1041400" cy="646331"/>
+          </a:xfrm>
+          <a:prstGeom prst="rect">
+            <a:avLst/>
+          </a:prstGeom>
+          <a:noFill/>
+        </p:spPr>
+        <p:txBody>
+          <a:bodyPr wrap="square" rtlCol="0">
+            <a:spAutoFit/>
+          </a:bodyPr>
+          <a:lstStyle/>
+          <a:p>
+            <a:r>
+              <a:rPr lang="en-IN" dirty="0" err="1" smtClean="0">
+                <a:latin typeface="Times New Roman" panose="02020603050405020304" pitchFamily="18" charset="0"/>
+                <a:cs typeface="Times New Roman" panose="02020603050405020304" pitchFamily="18" charset="0"/>
+              </a:rPr>
+              <a:t>Catboost</a:t>
+            </a:r>
+            <a:r>
+              <a:rPr lang="en-IN" dirty="0" smtClean="0">
+                <a:latin typeface="Times New Roman" panose="02020603050405020304" pitchFamily="18" charset="0"/>
+                <a:cs typeface="Times New Roman" panose="02020603050405020304" pitchFamily="18" charset="0"/>
+              </a:rPr>
+              <a:t> classifier</a:t>
+            </a:r>
+            <a:endParaRPr lang="en-IN" dirty="0">
+              <a:latin typeface="Times New Roman" panose="02020603050405020304" pitchFamily="18" charset="0"/>
+              <a:cs typeface="Times New Roman" panose="02020603050405020304" pitchFamily="18" charset="0"/>
+            </a:endParaRPr>
           </a:p>
         </p:txBody>
       </p:sp>
@@ -5139,7 +5253,7 @@
           <p:cNvPr id="5" name="TextBox 4">
             <a:extLst>
               <a:ext uri="{FF2B5EF4-FFF2-40B4-BE49-F238E27FC236}">
-                <a16:creationId xmlns="" xmlns:a16="http://schemas.microsoft.com/office/drawing/2014/main" id="{B4E70DB1-2446-2379-3043-FFD65A34CD1E}"/>
+                <a16:creationId xmlns:a16="http://schemas.microsoft.com/office/drawing/2014/main" xmlns="" id="{B4E70DB1-2446-2379-3043-FFD65A34CD1E}"/>
               </a:ext>
             </a:extLst>
           </p:cNvPr>
@@ -5232,7 +5346,7 @@
           <p:cNvPr id="2" name="Title 1">
             <a:extLst>
               <a:ext uri="{FF2B5EF4-FFF2-40B4-BE49-F238E27FC236}">
-                <a16:creationId xmlns="" xmlns:a16="http://schemas.microsoft.com/office/drawing/2014/main" id="{4B39F94D-F1AD-E73D-B76B-E3492891EF8D}"/>
+                <a16:creationId xmlns:a16="http://schemas.microsoft.com/office/drawing/2014/main" xmlns="" id="{4B39F94D-F1AD-E73D-B76B-E3492891EF8D}"/>
               </a:ext>
             </a:extLst>
           </p:cNvPr>
@@ -5307,7 +5421,7 @@
           <p:cNvPr id="3" name="Content Placeholder 2">
             <a:extLst>
               <a:ext uri="{FF2B5EF4-FFF2-40B4-BE49-F238E27FC236}">
-                <a16:creationId xmlns="" xmlns:a16="http://schemas.microsoft.com/office/drawing/2014/main" id="{3F7626D1-B364-4EDA-A4EC-C63DEFBB2559}"/>
+                <a16:creationId xmlns:a16="http://schemas.microsoft.com/office/drawing/2014/main" xmlns="" id="{3F7626D1-B364-4EDA-A4EC-C63DEFBB2559}"/>
               </a:ext>
             </a:extLst>
           </p:cNvPr>
@@ -9812,7 +9926,7 @@
           <p:cNvPr id="5" name="TextBox 4">
             <a:extLst>
               <a:ext uri="{FF2B5EF4-FFF2-40B4-BE49-F238E27FC236}">
-                <a16:creationId xmlns="" xmlns:a16="http://schemas.microsoft.com/office/drawing/2014/main" id="{D9E57B4C-CDC1-2936-76DE-FDAF473AA210}"/>
+                <a16:creationId xmlns:a16="http://schemas.microsoft.com/office/drawing/2014/main" xmlns="" id="{D9E57B4C-CDC1-2936-76DE-FDAF473AA210}"/>
               </a:ext>
             </a:extLst>
           </p:cNvPr>
@@ -10222,7 +10336,7 @@
           <p:cNvPr id="5" name="TextBox 4">
             <a:extLst>
               <a:ext uri="{FF2B5EF4-FFF2-40B4-BE49-F238E27FC236}">
-                <a16:creationId xmlns="" xmlns:a16="http://schemas.microsoft.com/office/drawing/2014/main" id="{B61E3A5F-344B-46EC-1C19-70E12D4A59FB}"/>
+                <a16:creationId xmlns:a16="http://schemas.microsoft.com/office/drawing/2014/main" xmlns="" id="{B61E3A5F-344B-46EC-1C19-70E12D4A59FB}"/>
               </a:ext>
             </a:extLst>
           </p:cNvPr>
@@ -12513,7 +12627,7 @@
           <p:cNvPr id="5" name="TextBox 4">
             <a:extLst>
               <a:ext uri="{FF2B5EF4-FFF2-40B4-BE49-F238E27FC236}">
-                <a16:creationId xmlns="" xmlns:a16="http://schemas.microsoft.com/office/drawing/2014/main" id="{74CECA00-A307-B5B1-D997-3D4B9DDD6742}"/>
+                <a16:creationId xmlns:a16="http://schemas.microsoft.com/office/drawing/2014/main" xmlns="" id="{74CECA00-A307-B5B1-D997-3D4B9DDD6742}"/>
               </a:ext>
             </a:extLst>
           </p:cNvPr>
@@ -12768,7 +12882,7 @@
           <p:cNvPr id="9" name="TextBox 8">
             <a:extLst>
               <a:ext uri="{FF2B5EF4-FFF2-40B4-BE49-F238E27FC236}">
-                <a16:creationId xmlns="" xmlns:a16="http://schemas.microsoft.com/office/drawing/2014/main" id="{24988006-A6B3-544B-BD8E-2A92CC557C89}"/>
+                <a16:creationId xmlns:a16="http://schemas.microsoft.com/office/drawing/2014/main" xmlns="" id="{24988006-A6B3-544B-BD8E-2A92CC557C89}"/>
               </a:ext>
             </a:extLst>
           </p:cNvPr>
@@ -13104,7 +13218,7 @@
           <p:cNvPr id="9" name="TextBox 8">
             <a:extLst>
               <a:ext uri="{FF2B5EF4-FFF2-40B4-BE49-F238E27FC236}">
-                <a16:creationId xmlns="" xmlns:a16="http://schemas.microsoft.com/office/drawing/2014/main" id="{26C94728-D3B4-9664-C7F3-D274415E707A}"/>
+                <a16:creationId xmlns:a16="http://schemas.microsoft.com/office/drawing/2014/main" xmlns="" id="{26C94728-D3B4-9664-C7F3-D274415E707A}"/>
               </a:ext>
             </a:extLst>
           </p:cNvPr>
@@ -13539,7 +13653,7 @@
           <p:cNvPr id="3" name="TextBox 2">
             <a:extLst>
               <a:ext uri="{FF2B5EF4-FFF2-40B4-BE49-F238E27FC236}">
-                <a16:creationId xmlns="" xmlns:a16="http://schemas.microsoft.com/office/drawing/2014/main" id="{26C94728-D3B4-9664-C7F3-D274415E707A}"/>
+                <a16:creationId xmlns:a16="http://schemas.microsoft.com/office/drawing/2014/main" xmlns="" id="{26C94728-D3B4-9664-C7F3-D274415E707A}"/>
               </a:ext>
             </a:extLst>
           </p:cNvPr>
@@ -13582,7 +13696,7 @@
           <p:cNvPr id="5" name="TextBox 4">
             <a:extLst>
               <a:ext uri="{FF2B5EF4-FFF2-40B4-BE49-F238E27FC236}">
-                <a16:creationId xmlns="" xmlns:a16="http://schemas.microsoft.com/office/drawing/2014/main" id="{AF118F77-D7E2-E0C1-DA98-DA577F40BE0C}"/>
+                <a16:creationId xmlns:a16="http://schemas.microsoft.com/office/drawing/2014/main" xmlns="" id="{AF118F77-D7E2-E0C1-DA98-DA577F40BE0C}"/>
               </a:ext>
             </a:extLst>
           </p:cNvPr>
@@ -14031,7 +14145,7 @@
           <p:cNvPr id="6" name="TextBox 5">
             <a:extLst>
               <a:ext uri="{FF2B5EF4-FFF2-40B4-BE49-F238E27FC236}">
-                <a16:creationId xmlns="" xmlns:a16="http://schemas.microsoft.com/office/drawing/2014/main" id="{0D21D99C-13FB-F39A-AB9E-4C66E8C5A2FB}"/>
+                <a16:creationId xmlns:a16="http://schemas.microsoft.com/office/drawing/2014/main" xmlns="" id="{0D21D99C-13FB-F39A-AB9E-4C66E8C5A2FB}"/>
               </a:ext>
             </a:extLst>
           </p:cNvPr>
@@ -14123,7 +14237,7 @@
           <p:cNvPr id="2" name="Title 1">
             <a:extLst>
               <a:ext uri="{FF2B5EF4-FFF2-40B4-BE49-F238E27FC236}">
-                <a16:creationId xmlns="" xmlns:a16="http://schemas.microsoft.com/office/drawing/2014/main" id="{24D1BC18-63CC-EFB1-B4CD-2976DC6291DF}"/>
+                <a16:creationId xmlns:a16="http://schemas.microsoft.com/office/drawing/2014/main" xmlns="" id="{24D1BC18-63CC-EFB1-B4CD-2976DC6291DF}"/>
               </a:ext>
             </a:extLst>
           </p:cNvPr>
@@ -14170,7 +14284,7 @@
           <p:cNvPr id="4" name="Content Placeholder 3">
             <a:extLst>
               <a:ext uri="{FF2B5EF4-FFF2-40B4-BE49-F238E27FC236}">
-                <a16:creationId xmlns="" xmlns:a16="http://schemas.microsoft.com/office/drawing/2014/main" id="{4E49BADA-F2AD-05AD-5730-C0143720231A}"/>
+                <a16:creationId xmlns:a16="http://schemas.microsoft.com/office/drawing/2014/main" xmlns="" id="{4E49BADA-F2AD-05AD-5730-C0143720231A}"/>
               </a:ext>
             </a:extLst>
           </p:cNvPr>
@@ -14200,35 +14314,35 @@
                 <a:gridCol w="837707">
                   <a:extLst>
                     <a:ext uri="{9D8B030D-6E8A-4147-A177-3AD203B41FA5}">
-                      <a16:colId xmlns="" xmlns:a16="http://schemas.microsoft.com/office/drawing/2014/main" val="3759903905"/>
+                      <a16:colId xmlns:a16="http://schemas.microsoft.com/office/drawing/2014/main" xmlns="" val="3759903905"/>
                     </a:ext>
                   </a:extLst>
                 </a:gridCol>
                 <a:gridCol w="2286086">
                   <a:extLst>
                     <a:ext uri="{9D8B030D-6E8A-4147-A177-3AD203B41FA5}">
-                      <a16:colId xmlns="" xmlns:a16="http://schemas.microsoft.com/office/drawing/2014/main" val="2272908029"/>
+                      <a16:colId xmlns:a16="http://schemas.microsoft.com/office/drawing/2014/main" xmlns="" val="2272908029"/>
                     </a:ext>
                   </a:extLst>
                 </a:gridCol>
                 <a:gridCol w="2127897">
                   <a:extLst>
                     <a:ext uri="{9D8B030D-6E8A-4147-A177-3AD203B41FA5}">
-                      <a16:colId xmlns="" xmlns:a16="http://schemas.microsoft.com/office/drawing/2014/main" val="3423368181"/>
+                      <a16:colId xmlns:a16="http://schemas.microsoft.com/office/drawing/2014/main" xmlns="" val="3423368181"/>
                     </a:ext>
                   </a:extLst>
                 </a:gridCol>
                 <a:gridCol w="1823569">
                   <a:extLst>
                     <a:ext uri="{9D8B030D-6E8A-4147-A177-3AD203B41FA5}">
-                      <a16:colId xmlns="" xmlns:a16="http://schemas.microsoft.com/office/drawing/2014/main" val="3468572587"/>
+                      <a16:colId xmlns:a16="http://schemas.microsoft.com/office/drawing/2014/main" xmlns="" val="3468572587"/>
                     </a:ext>
                   </a:extLst>
                 </a:gridCol>
                 <a:gridCol w="836706">
                   <a:extLst>
                     <a:ext uri="{9D8B030D-6E8A-4147-A177-3AD203B41FA5}">
-                      <a16:colId xmlns="" xmlns:a16="http://schemas.microsoft.com/office/drawing/2014/main" val="2279301243"/>
+                      <a16:colId xmlns:a16="http://schemas.microsoft.com/office/drawing/2014/main" xmlns="" val="2279301243"/>
                     </a:ext>
                   </a:extLst>
                 </a:gridCol>
@@ -14897,7 +15011,7 @@
                 </a:tc>
                 <a:extLst>
                   <a:ext uri="{0D108BD9-81ED-4DB2-BD59-A6C34878D82A}">
-                    <a16:rowId xmlns="" xmlns:a16="http://schemas.microsoft.com/office/drawing/2014/main" val="2464315462"/>
+                    <a16:rowId xmlns:a16="http://schemas.microsoft.com/office/drawing/2014/main" xmlns="" val="2464315462"/>
                   </a:ext>
                 </a:extLst>
               </a:tr>
@@ -16027,7 +16141,7 @@
                 </a:tc>
                 <a:extLst>
                   <a:ext uri="{0D108BD9-81ED-4DB2-BD59-A6C34878D82A}">
-                    <a16:rowId xmlns="" xmlns:a16="http://schemas.microsoft.com/office/drawing/2014/main" val="266331478"/>
+                    <a16:rowId xmlns:a16="http://schemas.microsoft.com/office/drawing/2014/main" xmlns="" val="266331478"/>
                   </a:ext>
                 </a:extLst>
               </a:tr>
@@ -17167,7 +17281,7 @@
                 </a:tc>
                 <a:extLst>
                   <a:ext uri="{0D108BD9-81ED-4DB2-BD59-A6C34878D82A}">
-                    <a16:rowId xmlns="" xmlns:a16="http://schemas.microsoft.com/office/drawing/2014/main" val="2975055471"/>
+                    <a16:rowId xmlns:a16="http://schemas.microsoft.com/office/drawing/2014/main" xmlns="" val="2975055471"/>
                   </a:ext>
                 </a:extLst>
               </a:tr>
@@ -17898,7 +18012,7 @@
                 </a:tc>
                 <a:extLst>
                   <a:ext uri="{0D108BD9-81ED-4DB2-BD59-A6C34878D82A}">
-                    <a16:rowId xmlns="" xmlns:a16="http://schemas.microsoft.com/office/drawing/2014/main" val="3224771685"/>
+                    <a16:rowId xmlns:a16="http://schemas.microsoft.com/office/drawing/2014/main" xmlns="" val="3224771685"/>
                   </a:ext>
                 </a:extLst>
               </a:tr>
@@ -18024,7 +18138,7 @@
           <p:cNvPr id="4" name="TextBox 3">
             <a:extLst>
               <a:ext uri="{FF2B5EF4-FFF2-40B4-BE49-F238E27FC236}">
-                <a16:creationId xmlns="" xmlns:a16="http://schemas.microsoft.com/office/drawing/2014/main" id="{88B6A193-585A-E2A7-4337-12EC7D985FB0}"/>
+                <a16:creationId xmlns:a16="http://schemas.microsoft.com/office/drawing/2014/main" xmlns="" id="{88B6A193-585A-E2A7-4337-12EC7D985FB0}"/>
               </a:ext>
             </a:extLst>
           </p:cNvPr>
@@ -18191,7 +18305,7 @@
           <p:cNvPr id="5" name="TextBox 4">
             <a:extLst>
               <a:ext uri="{FF2B5EF4-FFF2-40B4-BE49-F238E27FC236}">
-                <a16:creationId xmlns="" xmlns:a16="http://schemas.microsoft.com/office/drawing/2014/main" id="{4D20FA0E-3AE5-F52D-571D-18DF1A6C329D}"/>
+                <a16:creationId xmlns:a16="http://schemas.microsoft.com/office/drawing/2014/main" xmlns="" id="{4D20FA0E-3AE5-F52D-571D-18DF1A6C329D}"/>
               </a:ext>
             </a:extLst>
           </p:cNvPr>
@@ -18354,7 +18468,7 @@
           <p:cNvPr id="5" name="TextBox 4">
             <a:extLst>
               <a:ext uri="{FF2B5EF4-FFF2-40B4-BE49-F238E27FC236}">
-                <a16:creationId xmlns="" xmlns:a16="http://schemas.microsoft.com/office/drawing/2014/main" id="{EEBA0BED-1AE9-F0CB-A5E6-57BB39FC7BA0}"/>
+                <a16:creationId xmlns:a16="http://schemas.microsoft.com/office/drawing/2014/main" xmlns="" id="{EEBA0BED-1AE9-F0CB-A5E6-57BB39FC7BA0}"/>
               </a:ext>
             </a:extLst>
           </p:cNvPr>
@@ -18599,7 +18713,7 @@
           <p:cNvPr id="2" name="Title 1">
             <a:extLst>
               <a:ext uri="{FF2B5EF4-FFF2-40B4-BE49-F238E27FC236}">
-                <a16:creationId xmlns="" xmlns:a16="http://schemas.microsoft.com/office/drawing/2014/main" id="{B0F5E4A9-6B3D-3E36-D8A8-8B039794FCDD}"/>
+                <a16:creationId xmlns:a16="http://schemas.microsoft.com/office/drawing/2014/main" xmlns="" id="{B0F5E4A9-6B3D-3E36-D8A8-8B039794FCDD}"/>
               </a:ext>
             </a:extLst>
           </p:cNvPr>
@@ -18642,7 +18756,7 @@
           <p:cNvPr id="3" name="Content Placeholder 2">
             <a:extLst>
               <a:ext uri="{FF2B5EF4-FFF2-40B4-BE49-F238E27FC236}">
-                <a16:creationId xmlns="" xmlns:a16="http://schemas.microsoft.com/office/drawing/2014/main" id="{653B57DE-39C0-9354-1D1F-8788E2763FD9}"/>
+                <a16:creationId xmlns:a16="http://schemas.microsoft.com/office/drawing/2014/main" xmlns="" id="{653B57DE-39C0-9354-1D1F-8788E2763FD9}"/>
               </a:ext>
             </a:extLst>
           </p:cNvPr>
@@ -19086,7 +19200,7 @@
           <p:cNvPr id="2" name="Title 1">
             <a:extLst>
               <a:ext uri="{FF2B5EF4-FFF2-40B4-BE49-F238E27FC236}">
-                <a16:creationId xmlns="" xmlns:a16="http://schemas.microsoft.com/office/drawing/2014/main" id="{D64D63B7-12DD-A67E-DC18-4D6C01B2C93D}"/>
+                <a16:creationId xmlns:a16="http://schemas.microsoft.com/office/drawing/2014/main" xmlns="" id="{D64D63B7-12DD-A67E-DC18-4D6C01B2C93D}"/>
               </a:ext>
             </a:extLst>
           </p:cNvPr>
@@ -19139,7 +19253,7 @@
           <p:cNvPr id="3" name="Content Placeholder 2">
             <a:extLst>
               <a:ext uri="{FF2B5EF4-FFF2-40B4-BE49-F238E27FC236}">
-                <a16:creationId xmlns="" xmlns:a16="http://schemas.microsoft.com/office/drawing/2014/main" id="{9BB54BE6-64EA-4841-933E-44DFA19F777C}"/>
+                <a16:creationId xmlns:a16="http://schemas.microsoft.com/office/drawing/2014/main" xmlns="" id="{9BB54BE6-64EA-4841-933E-44DFA19F777C}"/>
               </a:ext>
             </a:extLst>
           </p:cNvPr>
@@ -24680,7 +24794,7 @@
           <p:cNvPr id="5" name="Title 4">
             <a:extLst>
               <a:ext uri="{FF2B5EF4-FFF2-40B4-BE49-F238E27FC236}">
-                <a16:creationId xmlns="" xmlns:a16="http://schemas.microsoft.com/office/drawing/2014/main" id="{C0BB0E64-5263-131C-1D75-3C9BB91C2DF4}"/>
+                <a16:creationId xmlns:a16="http://schemas.microsoft.com/office/drawing/2014/main" xmlns="" id="{C0BB0E64-5263-131C-1D75-3C9BB91C2DF4}"/>
               </a:ext>
             </a:extLst>
           </p:cNvPr>
@@ -24723,7 +24837,7 @@
           <p:cNvPr id="10" name="Table 10">
             <a:extLst>
               <a:ext uri="{FF2B5EF4-FFF2-40B4-BE49-F238E27FC236}">
-                <a16:creationId xmlns="" xmlns:a16="http://schemas.microsoft.com/office/drawing/2014/main" id="{30B5244B-C906-F3E2-036F-1630A9AB8D9A}"/>
+                <a16:creationId xmlns:a16="http://schemas.microsoft.com/office/drawing/2014/main" xmlns="" id="{30B5244B-C906-F3E2-036F-1630A9AB8D9A}"/>
               </a:ext>
             </a:extLst>
           </p:cNvPr>
@@ -24753,42 +24867,42 @@
                 <a:gridCol w="1289785">
                   <a:extLst>
                     <a:ext uri="{9D8B030D-6E8A-4147-A177-3AD203B41FA5}">
-                      <a16:colId xmlns="" xmlns:a16="http://schemas.microsoft.com/office/drawing/2014/main" val="2996645033"/>
+                      <a16:colId xmlns:a16="http://schemas.microsoft.com/office/drawing/2014/main" xmlns="" val="2996645033"/>
                     </a:ext>
                   </a:extLst>
                 </a:gridCol>
                 <a:gridCol w="1260909">
                   <a:extLst>
                     <a:ext uri="{9D8B030D-6E8A-4147-A177-3AD203B41FA5}">
-                      <a16:colId xmlns="" xmlns:a16="http://schemas.microsoft.com/office/drawing/2014/main" val="637514079"/>
+                      <a16:colId xmlns:a16="http://schemas.microsoft.com/office/drawing/2014/main" xmlns="" val="637514079"/>
                     </a:ext>
                   </a:extLst>
                 </a:gridCol>
                 <a:gridCol w="779647">
                   <a:extLst>
                     <a:ext uri="{9D8B030D-6E8A-4147-A177-3AD203B41FA5}">
-                      <a16:colId xmlns="" xmlns:a16="http://schemas.microsoft.com/office/drawing/2014/main" val="358416271"/>
+                      <a16:colId xmlns:a16="http://schemas.microsoft.com/office/drawing/2014/main" xmlns="" val="358416271"/>
                     </a:ext>
                   </a:extLst>
                 </a:gridCol>
                 <a:gridCol w="2146433">
                   <a:extLst>
                     <a:ext uri="{9D8B030D-6E8A-4147-A177-3AD203B41FA5}">
-                      <a16:colId xmlns="" xmlns:a16="http://schemas.microsoft.com/office/drawing/2014/main" val="17897368"/>
+                      <a16:colId xmlns:a16="http://schemas.microsoft.com/office/drawing/2014/main" xmlns="" val="17897368"/>
                     </a:ext>
                   </a:extLst>
                 </a:gridCol>
                 <a:gridCol w="1472666">
                   <a:extLst>
                     <a:ext uri="{9D8B030D-6E8A-4147-A177-3AD203B41FA5}">
-                      <a16:colId xmlns="" xmlns:a16="http://schemas.microsoft.com/office/drawing/2014/main" val="276569581"/>
+                      <a16:colId xmlns:a16="http://schemas.microsoft.com/office/drawing/2014/main" xmlns="" val="276569581"/>
                     </a:ext>
                   </a:extLst>
                 </a:gridCol>
                 <a:gridCol w="1790298">
                   <a:extLst>
                     <a:ext uri="{9D8B030D-6E8A-4147-A177-3AD203B41FA5}">
-                      <a16:colId xmlns="" xmlns:a16="http://schemas.microsoft.com/office/drawing/2014/main" val="3631045059"/>
+                      <a16:colId xmlns:a16="http://schemas.microsoft.com/office/drawing/2014/main" xmlns="" val="3631045059"/>
                     </a:ext>
                   </a:extLst>
                 </a:gridCol>
@@ -24883,7 +24997,7 @@
                 </a:tc>
                 <a:extLst>
                   <a:ext uri="{0D108BD9-81ED-4DB2-BD59-A6C34878D82A}">
-                    <a16:rowId xmlns="" xmlns:a16="http://schemas.microsoft.com/office/drawing/2014/main" val="2190965565"/>
+                    <a16:rowId xmlns:a16="http://schemas.microsoft.com/office/drawing/2014/main" xmlns="" val="2190965565"/>
                   </a:ext>
                 </a:extLst>
               </a:tr>
@@ -25119,7 +25233,7 @@
                 </a:tc>
                 <a:extLst>
                   <a:ext uri="{0D108BD9-81ED-4DB2-BD59-A6C34878D82A}">
-                    <a16:rowId xmlns="" xmlns:a16="http://schemas.microsoft.com/office/drawing/2014/main" val="2686374237"/>
+                    <a16:rowId xmlns:a16="http://schemas.microsoft.com/office/drawing/2014/main" xmlns="" val="2686374237"/>
                   </a:ext>
                 </a:extLst>
               </a:tr>
@@ -25339,7 +25453,7 @@
                 </a:tc>
                 <a:extLst>
                   <a:ext uri="{0D108BD9-81ED-4DB2-BD59-A6C34878D82A}">
-                    <a16:rowId xmlns="" xmlns:a16="http://schemas.microsoft.com/office/drawing/2014/main" val="2731268126"/>
+                    <a16:rowId xmlns:a16="http://schemas.microsoft.com/office/drawing/2014/main" xmlns="" val="2731268126"/>
                   </a:ext>
                 </a:extLst>
               </a:tr>
@@ -25401,7 +25515,7 @@
           <p:cNvPr id="2" name="Table 1">
             <a:extLst>
               <a:ext uri="{FF2B5EF4-FFF2-40B4-BE49-F238E27FC236}">
-                <a16:creationId xmlns="" xmlns:a16="http://schemas.microsoft.com/office/drawing/2014/main" id="{32F12BCC-4203-BE1D-87CA-AD2278CFB09C}"/>
+                <a16:creationId xmlns:a16="http://schemas.microsoft.com/office/drawing/2014/main" xmlns="" id="{32F12BCC-4203-BE1D-87CA-AD2278CFB09C}"/>
               </a:ext>
             </a:extLst>
           </p:cNvPr>
@@ -25411,7 +25525,7 @@
           <p:nvPr>
             <p:extLst>
               <p:ext uri="{D42A27DB-BD31-4B8C-83A1-F6EECF244321}">
-                <p14:modId xmlns:p14="http://schemas.microsoft.com/office/powerpoint/2010/main" val="3887555134"/>
+                <p14:modId xmlns:p14="http://schemas.microsoft.com/office/powerpoint/2010/main" val="3364131390"/>
               </p:ext>
             </p:extLst>
           </p:nvPr>
@@ -25430,42 +25544,42 @@
                 <a:gridCol w="1289785">
                   <a:extLst>
                     <a:ext uri="{9D8B030D-6E8A-4147-A177-3AD203B41FA5}">
-                      <a16:colId xmlns="" xmlns:a16="http://schemas.microsoft.com/office/drawing/2014/main" val="3351532313"/>
+                      <a16:colId xmlns:a16="http://schemas.microsoft.com/office/drawing/2014/main" xmlns="" val="3351532313"/>
                     </a:ext>
                   </a:extLst>
                 </a:gridCol>
                 <a:gridCol w="1260909">
                   <a:extLst>
                     <a:ext uri="{9D8B030D-6E8A-4147-A177-3AD203B41FA5}">
-                      <a16:colId xmlns="" xmlns:a16="http://schemas.microsoft.com/office/drawing/2014/main" val="3016811817"/>
+                      <a16:colId xmlns:a16="http://schemas.microsoft.com/office/drawing/2014/main" xmlns="" val="3016811817"/>
                     </a:ext>
                   </a:extLst>
                 </a:gridCol>
                 <a:gridCol w="779647">
                   <a:extLst>
                     <a:ext uri="{9D8B030D-6E8A-4147-A177-3AD203B41FA5}">
-                      <a16:colId xmlns="" xmlns:a16="http://schemas.microsoft.com/office/drawing/2014/main" val="1927216474"/>
+                      <a16:colId xmlns:a16="http://schemas.microsoft.com/office/drawing/2014/main" xmlns="" val="1927216474"/>
                     </a:ext>
                   </a:extLst>
                 </a:gridCol>
                 <a:gridCol w="2146433">
                   <a:extLst>
                     <a:ext uri="{9D8B030D-6E8A-4147-A177-3AD203B41FA5}">
-                      <a16:colId xmlns="" xmlns:a16="http://schemas.microsoft.com/office/drawing/2014/main" val="3939218402"/>
+                      <a16:colId xmlns:a16="http://schemas.microsoft.com/office/drawing/2014/main" xmlns="" val="3939218402"/>
                     </a:ext>
                   </a:extLst>
                 </a:gridCol>
                 <a:gridCol w="1472666">
                   <a:extLst>
                     <a:ext uri="{9D8B030D-6E8A-4147-A177-3AD203B41FA5}">
-                      <a16:colId xmlns="" xmlns:a16="http://schemas.microsoft.com/office/drawing/2014/main" val="2225516239"/>
+                      <a16:colId xmlns:a16="http://schemas.microsoft.com/office/drawing/2014/main" xmlns="" val="2225516239"/>
                     </a:ext>
                   </a:extLst>
                 </a:gridCol>
                 <a:gridCol w="1790298">
                   <a:extLst>
                     <a:ext uri="{9D8B030D-6E8A-4147-A177-3AD203B41FA5}">
-                      <a16:colId xmlns="" xmlns:a16="http://schemas.microsoft.com/office/drawing/2014/main" val="2173582737"/>
+                      <a16:colId xmlns:a16="http://schemas.microsoft.com/office/drawing/2014/main" xmlns="" val="2173582737"/>
                     </a:ext>
                   </a:extLst>
                 </a:gridCol>
@@ -25560,7 +25674,7 @@
                 </a:tc>
                 <a:extLst>
                   <a:ext uri="{0D108BD9-81ED-4DB2-BD59-A6C34878D82A}">
-                    <a16:rowId xmlns="" xmlns:a16="http://schemas.microsoft.com/office/drawing/2014/main" val="844166344"/>
+                    <a16:rowId xmlns:a16="http://schemas.microsoft.com/office/drawing/2014/main" xmlns="" val="844166344"/>
                   </a:ext>
                 </a:extLst>
               </a:tr>
@@ -25944,7 +26058,44 @@
                           <a:latin typeface="Times New Roman" panose="02020603050405020304" pitchFamily="18" charset="0"/>
                           <a:cs typeface="Times New Roman" panose="02020603050405020304" pitchFamily="18" charset="0"/>
                         </a:rPr>
-                        <a:t>c) Random Forests, and d) Multilayer </a:t>
+                        <a:t>c) Random Forests, and </a:t>
+                      </a:r>
+                      <a:endParaRPr lang="en-US" sz="1400" dirty="0" smtClean="0">
+                        <a:latin typeface="Times New Roman" panose="02020603050405020304" pitchFamily="18" charset="0"/>
+                        <a:cs typeface="Times New Roman" panose="02020603050405020304" pitchFamily="18" charset="0"/>
+                      </a:endParaRPr>
+                    </a:p>
+                    <a:p>
+                      <a:pPr marL="0" marR="0" lvl="0" indent="0" algn="just" defTabSz="457200" rtl="0" eaLnBrk="1" fontAlgn="auto" latinLnBrk="0" hangingPunct="1">
+                        <a:lnSpc>
+                          <a:spcPct val="100000"/>
+                        </a:lnSpc>
+                        <a:spcBef>
+                          <a:spcPts val="0"/>
+                        </a:spcBef>
+                        <a:spcAft>
+                          <a:spcPts val="0"/>
+                        </a:spcAft>
+                        <a:buClrTx/>
+                        <a:buSzTx/>
+                        <a:buFontTx/>
+                        <a:buNone/>
+                        <a:tabLst/>
+                        <a:defRPr/>
+                      </a:pPr>
+                      <a:r>
+                        <a:rPr lang="en-US" sz="1400" dirty="0" smtClean="0">
+                          <a:latin typeface="Times New Roman" panose="02020603050405020304" pitchFamily="18" charset="0"/>
+                          <a:cs typeface="Times New Roman" panose="02020603050405020304" pitchFamily="18" charset="0"/>
+                        </a:rPr>
+                        <a:t>d</a:t>
+                      </a:r>
+                      <a:r>
+                        <a:rPr lang="en-US" sz="1400" dirty="0">
+                          <a:latin typeface="Times New Roman" panose="02020603050405020304" pitchFamily="18" charset="0"/>
+                          <a:cs typeface="Times New Roman" panose="02020603050405020304" pitchFamily="18" charset="0"/>
+                        </a:rPr>
+                        <a:t>) Multilayer </a:t>
                       </a:r>
                       <a:r>
                         <a:rPr lang="en-US" sz="1400" dirty="0" err="1">
@@ -26086,7 +26237,7 @@
                 </a:tc>
                 <a:extLst>
                   <a:ext uri="{0D108BD9-81ED-4DB2-BD59-A6C34878D82A}">
-                    <a16:rowId xmlns="" xmlns:a16="http://schemas.microsoft.com/office/drawing/2014/main" val="2398848239"/>
+                    <a16:rowId xmlns:a16="http://schemas.microsoft.com/office/drawing/2014/main" xmlns="" val="2398848239"/>
                   </a:ext>
                 </a:extLst>
               </a:tr>
@@ -26329,7 +26480,7 @@
                 </a:tc>
                 <a:extLst>
                   <a:ext uri="{0D108BD9-81ED-4DB2-BD59-A6C34878D82A}">
-                    <a16:rowId xmlns="" xmlns:a16="http://schemas.microsoft.com/office/drawing/2014/main" val="4254392349"/>
+                    <a16:rowId xmlns:a16="http://schemas.microsoft.com/office/drawing/2014/main" xmlns="" val="4254392349"/>
                   </a:ext>
                 </a:extLst>
               </a:tr>
@@ -26391,7 +26542,7 @@
           <p:cNvPr id="2" name="Table 1">
             <a:extLst>
               <a:ext uri="{FF2B5EF4-FFF2-40B4-BE49-F238E27FC236}">
-                <a16:creationId xmlns="" xmlns:a16="http://schemas.microsoft.com/office/drawing/2014/main" id="{159C48FC-372E-D5FF-9911-D2BCCA0ACBA7}"/>
+                <a16:creationId xmlns:a16="http://schemas.microsoft.com/office/drawing/2014/main" xmlns="" id="{159C48FC-372E-D5FF-9911-D2BCCA0ACBA7}"/>
               </a:ext>
             </a:extLst>
           </p:cNvPr>
@@ -26401,14 +26552,14 @@
           <p:nvPr>
             <p:extLst>
               <p:ext uri="{D42A27DB-BD31-4B8C-83A1-F6EECF244321}">
-                <p14:modId xmlns:p14="http://schemas.microsoft.com/office/powerpoint/2010/main" val="1525052260"/>
+                <p14:modId xmlns:p14="http://schemas.microsoft.com/office/powerpoint/2010/main" val="2312110916"/>
               </p:ext>
             </p:extLst>
           </p:nvPr>
         </p:nvGraphicFramePr>
         <p:xfrm>
           <a:off x="202131" y="406654"/>
-          <a:ext cx="8739738" cy="6023022"/>
+          <a:ext cx="8739738" cy="6121126"/>
         </p:xfrm>
         <a:graphic>
           <a:graphicData uri="http://schemas.openxmlformats.org/drawingml/2006/table">
@@ -26420,42 +26571,42 @@
                 <a:gridCol w="1289785">
                   <a:extLst>
                     <a:ext uri="{9D8B030D-6E8A-4147-A177-3AD203B41FA5}">
-                      <a16:colId xmlns="" xmlns:a16="http://schemas.microsoft.com/office/drawing/2014/main" val="718464189"/>
+                      <a16:colId xmlns:a16="http://schemas.microsoft.com/office/drawing/2014/main" xmlns="" val="718464189"/>
                     </a:ext>
                   </a:extLst>
                 </a:gridCol>
                 <a:gridCol w="1260909">
                   <a:extLst>
                     <a:ext uri="{9D8B030D-6E8A-4147-A177-3AD203B41FA5}">
-                      <a16:colId xmlns="" xmlns:a16="http://schemas.microsoft.com/office/drawing/2014/main" val="3402868819"/>
+                      <a16:colId xmlns:a16="http://schemas.microsoft.com/office/drawing/2014/main" xmlns="" val="3402868819"/>
                     </a:ext>
                   </a:extLst>
                 </a:gridCol>
                 <a:gridCol w="779647">
                   <a:extLst>
                     <a:ext uri="{9D8B030D-6E8A-4147-A177-3AD203B41FA5}">
-                      <a16:colId xmlns="" xmlns:a16="http://schemas.microsoft.com/office/drawing/2014/main" val="3901139981"/>
+                      <a16:colId xmlns:a16="http://schemas.microsoft.com/office/drawing/2014/main" xmlns="" val="3901139981"/>
                     </a:ext>
                   </a:extLst>
                 </a:gridCol>
                 <a:gridCol w="2146433">
                   <a:extLst>
                     <a:ext uri="{9D8B030D-6E8A-4147-A177-3AD203B41FA5}">
-                      <a16:colId xmlns="" xmlns:a16="http://schemas.microsoft.com/office/drawing/2014/main" val="3168671359"/>
+                      <a16:colId xmlns:a16="http://schemas.microsoft.com/office/drawing/2014/main" xmlns="" val="3168671359"/>
                     </a:ext>
                   </a:extLst>
                 </a:gridCol>
                 <a:gridCol w="1472666">
                   <a:extLst>
                     <a:ext uri="{9D8B030D-6E8A-4147-A177-3AD203B41FA5}">
-                      <a16:colId xmlns="" xmlns:a16="http://schemas.microsoft.com/office/drawing/2014/main" val="1204226000"/>
+                      <a16:colId xmlns:a16="http://schemas.microsoft.com/office/drawing/2014/main" xmlns="" val="1204226000"/>
                     </a:ext>
                   </a:extLst>
                 </a:gridCol>
                 <a:gridCol w="1790298">
                   <a:extLst>
                     <a:ext uri="{9D8B030D-6E8A-4147-A177-3AD203B41FA5}">
-                      <a16:colId xmlns="" xmlns:a16="http://schemas.microsoft.com/office/drawing/2014/main" val="3754665844"/>
+                      <a16:colId xmlns:a16="http://schemas.microsoft.com/office/drawing/2014/main" xmlns="" val="3754665844"/>
                     </a:ext>
                   </a:extLst>
                 </a:gridCol>
@@ -26550,7 +26701,7 @@
                 </a:tc>
                 <a:extLst>
                   <a:ext uri="{0D108BD9-81ED-4DB2-BD59-A6C34878D82A}">
-                    <a16:rowId xmlns="" xmlns:a16="http://schemas.microsoft.com/office/drawing/2014/main" val="314327412"/>
+                    <a16:rowId xmlns:a16="http://schemas.microsoft.com/office/drawing/2014/main" xmlns="" val="314327412"/>
                   </a:ext>
                 </a:extLst>
               </a:tr>
@@ -26828,7 +26979,7 @@
                       </a:r>
                     </a:p>
                     <a:p>
-                      <a:pPr marL="0" marR="0" lvl="0" indent="0" algn="just" defTabSz="457200" rtl="0" eaLnBrk="1" fontAlgn="auto" latinLnBrk="0" hangingPunct="1">
+                      <a:pPr marL="342900" marR="0" lvl="0" indent="-342900" algn="just" defTabSz="457200" rtl="0" eaLnBrk="1" fontAlgn="auto" latinLnBrk="0" hangingPunct="1">
                         <a:lnSpc>
                           <a:spcPct val="100000"/>
                         </a:lnSpc>
@@ -26841,16 +26992,60 @@
                         <a:buClrTx/>
                         <a:buSzTx/>
                         <a:buFontTx/>
-                        <a:buNone/>
+                        <a:buAutoNum type="arabicPeriod"/>
                         <a:tabLst/>
                         <a:defRPr/>
                       </a:pPr>
                       <a:r>
+                        <a:rPr lang="en-US" sz="1400" dirty="0" smtClean="0">
+                          <a:latin typeface="Times New Roman" panose="02020603050405020304" pitchFamily="18" charset="0"/>
+                          <a:cs typeface="Times New Roman" panose="02020603050405020304" pitchFamily="18" charset="0"/>
+                        </a:rPr>
+                        <a:t>Acquisition </a:t>
+                      </a:r>
+                      <a:r>
                         <a:rPr lang="en-US" sz="1400" dirty="0">
                           <a:latin typeface="Times New Roman" panose="02020603050405020304" pitchFamily="18" charset="0"/>
                           <a:cs typeface="Times New Roman" panose="02020603050405020304" pitchFamily="18" charset="0"/>
                         </a:rPr>
-                        <a:t>1. Acquisition of data. 2. Pre-processing the data. </a:t>
+                        <a:t>of data. </a:t>
+                      </a:r>
+                      <a:endParaRPr lang="en-US" sz="1400" dirty="0" smtClean="0">
+                        <a:latin typeface="Times New Roman" panose="02020603050405020304" pitchFamily="18" charset="0"/>
+                        <a:cs typeface="Times New Roman" panose="02020603050405020304" pitchFamily="18" charset="0"/>
+                      </a:endParaRPr>
+                    </a:p>
+                    <a:p>
+                      <a:pPr marL="342900" marR="0" lvl="0" indent="-342900" algn="just" defTabSz="457200" rtl="0" eaLnBrk="1" fontAlgn="auto" latinLnBrk="0" hangingPunct="1">
+                        <a:lnSpc>
+                          <a:spcPct val="100000"/>
+                        </a:lnSpc>
+                        <a:spcBef>
+                          <a:spcPts val="0"/>
+                        </a:spcBef>
+                        <a:spcAft>
+                          <a:spcPts val="0"/>
+                        </a:spcAft>
+                        <a:buClrTx/>
+                        <a:buSzTx/>
+                        <a:buFontTx/>
+                        <a:buAutoNum type="arabicPeriod"/>
+                        <a:tabLst/>
+                        <a:defRPr/>
+                      </a:pPr>
+                      <a:r>
+                        <a:rPr lang="en-US" sz="1400" dirty="0" smtClean="0">
+                          <a:latin typeface="Times New Roman" panose="02020603050405020304" pitchFamily="18" charset="0"/>
+                          <a:cs typeface="Times New Roman" panose="02020603050405020304" pitchFamily="18" charset="0"/>
+                        </a:rPr>
+                        <a:t> </a:t>
+                      </a:r>
+                      <a:r>
+                        <a:rPr lang="en-US" sz="1400" dirty="0">
+                          <a:latin typeface="Times New Roman" panose="02020603050405020304" pitchFamily="18" charset="0"/>
+                          <a:cs typeface="Times New Roman" panose="02020603050405020304" pitchFamily="18" charset="0"/>
+                        </a:rPr>
+                        <a:t>Pre-processing the data. </a:t>
                       </a:r>
                     </a:p>
                     <a:p>
@@ -27008,7 +27203,7 @@
                 </a:tc>
                 <a:extLst>
                   <a:ext uri="{0D108BD9-81ED-4DB2-BD59-A6C34878D82A}">
-                    <a16:rowId xmlns="" xmlns:a16="http://schemas.microsoft.com/office/drawing/2014/main" val="732402324"/>
+                    <a16:rowId xmlns:a16="http://schemas.microsoft.com/office/drawing/2014/main" xmlns="" val="732402324"/>
                   </a:ext>
                 </a:extLst>
               </a:tr>
@@ -27132,9 +27327,9 @@
                             <a:schemeClr val="dk1"/>
                           </a:solidFill>
                           <a:effectLst/>
-                          <a:latin typeface="+mn-lt"/>
+                          <a:latin typeface="Times New Roman" panose="02020603050405020304" pitchFamily="18" charset="0"/>
                           <a:ea typeface="+mn-ea"/>
-                          <a:cs typeface="+mn-cs"/>
+                          <a:cs typeface="Times New Roman" panose="02020603050405020304" pitchFamily="18" charset="0"/>
                         </a:rPr>
                         <a:t>Rajdeep Kumar Nath,</a:t>
                       </a:r>
@@ -27144,9 +27339,9 @@
                             <a:schemeClr val="dk1"/>
                           </a:solidFill>
                           <a:effectLst/>
-                          <a:latin typeface="+mn-lt"/>
+                          <a:latin typeface="Times New Roman" panose="02020603050405020304" pitchFamily="18" charset="0"/>
                           <a:ea typeface="+mn-ea"/>
-                          <a:cs typeface="+mn-cs"/>
+                          <a:cs typeface="Times New Roman" panose="02020603050405020304" pitchFamily="18" charset="0"/>
                         </a:rPr>
                         <a:t> </a:t>
                       </a:r>
@@ -27156,9 +27351,9 @@
                             <a:schemeClr val="dk1"/>
                           </a:solidFill>
                           <a:effectLst/>
-                          <a:latin typeface="+mn-lt"/>
+                          <a:latin typeface="Times New Roman" panose="02020603050405020304" pitchFamily="18" charset="0"/>
                           <a:ea typeface="+mn-ea"/>
-                          <a:cs typeface="+mn-cs"/>
+                          <a:cs typeface="Times New Roman" panose="02020603050405020304" pitchFamily="18" charset="0"/>
                         </a:rPr>
                         <a:t>Himanshu Thapliyal,</a:t>
                       </a:r>
@@ -27168,9 +27363,9 @@
                             <a:schemeClr val="dk1"/>
                           </a:solidFill>
                           <a:effectLst/>
-                          <a:latin typeface="+mn-lt"/>
+                          <a:latin typeface="Times New Roman" panose="02020603050405020304" pitchFamily="18" charset="0"/>
                           <a:ea typeface="+mn-ea"/>
-                          <a:cs typeface="+mn-cs"/>
+                          <a:cs typeface="Times New Roman" panose="02020603050405020304" pitchFamily="18" charset="0"/>
                         </a:rPr>
                         <a:t> </a:t>
                       </a:r>
@@ -27180,9 +27375,9 @@
                             <a:schemeClr val="dk1"/>
                           </a:solidFill>
                           <a:effectLst/>
-                          <a:latin typeface="+mn-lt"/>
+                          <a:latin typeface="Times New Roman" panose="02020603050405020304" pitchFamily="18" charset="0"/>
                           <a:ea typeface="+mn-ea"/>
-                          <a:cs typeface="+mn-cs"/>
+                          <a:cs typeface="Times New Roman" panose="02020603050405020304" pitchFamily="18" charset="0"/>
                         </a:rPr>
                         <a:t>Allison </a:t>
                       </a:r>
@@ -27192,9 +27387,9 @@
                             <a:schemeClr val="dk1"/>
                           </a:solidFill>
                           <a:effectLst/>
-                          <a:latin typeface="+mn-lt"/>
+                          <a:latin typeface="Times New Roman" panose="02020603050405020304" pitchFamily="18" charset="0"/>
                           <a:ea typeface="+mn-ea"/>
-                          <a:cs typeface="+mn-cs"/>
+                          <a:cs typeface="Times New Roman" panose="02020603050405020304" pitchFamily="18" charset="0"/>
                         </a:rPr>
                         <a:t>Caban</a:t>
                       </a:r>
@@ -27204,9 +27399,9 @@
                             <a:schemeClr val="dk1"/>
                           </a:solidFill>
                           <a:effectLst/>
-                          <a:latin typeface="+mn-lt"/>
+                          <a:latin typeface="Times New Roman" panose="02020603050405020304" pitchFamily="18" charset="0"/>
                           <a:ea typeface="+mn-ea"/>
-                          <a:cs typeface="+mn-cs"/>
+                          <a:cs typeface="Times New Roman" panose="02020603050405020304" pitchFamily="18" charset="0"/>
                         </a:rPr>
                         <a:t>-Holt</a:t>
                       </a:r>
@@ -27216,9 +27411,9 @@
                             <a:schemeClr val="dk1"/>
                           </a:solidFill>
                           <a:effectLst/>
-                          <a:latin typeface="+mn-lt"/>
+                          <a:latin typeface="Times New Roman" panose="02020603050405020304" pitchFamily="18" charset="0"/>
                           <a:ea typeface="+mn-ea"/>
-                          <a:cs typeface="+mn-cs"/>
+                          <a:cs typeface="Times New Roman" panose="02020603050405020304" pitchFamily="18" charset="0"/>
                         </a:rPr>
                         <a:t> and </a:t>
                       </a:r>
@@ -27228,9 +27423,9 @@
                             <a:schemeClr val="dk1"/>
                           </a:solidFill>
                           <a:effectLst/>
-                          <a:latin typeface="+mn-lt"/>
+                          <a:latin typeface="Times New Roman" panose="02020603050405020304" pitchFamily="18" charset="0"/>
                           <a:ea typeface="+mn-ea"/>
-                          <a:cs typeface="+mn-cs"/>
+                          <a:cs typeface="Times New Roman" panose="02020603050405020304" pitchFamily="18" charset="0"/>
                         </a:rPr>
                         <a:t>Saraju</a:t>
                       </a:r>
@@ -27240,9 +27435,9 @@
                             <a:schemeClr val="dk1"/>
                           </a:solidFill>
                           <a:effectLst/>
-                          <a:latin typeface="+mn-lt"/>
+                          <a:latin typeface="Times New Roman" panose="02020603050405020304" pitchFamily="18" charset="0"/>
                           <a:ea typeface="+mn-ea"/>
-                          <a:cs typeface="+mn-cs"/>
+                          <a:cs typeface="Times New Roman" panose="02020603050405020304" pitchFamily="18" charset="0"/>
                         </a:rPr>
                         <a:t> P. Mohanty</a:t>
                       </a:r>
@@ -27251,9 +27446,9 @@
                           <a:schemeClr val="dk1"/>
                         </a:solidFill>
                         <a:effectLst/>
-                        <a:latin typeface="+mn-lt"/>
+                        <a:latin typeface="Times New Roman" panose="02020603050405020304" pitchFamily="18" charset="0"/>
                         <a:ea typeface="+mn-ea"/>
-                        <a:cs typeface="+mn-cs"/>
+                        <a:cs typeface="Times New Roman" panose="02020603050405020304" pitchFamily="18" charset="0"/>
                       </a:endParaRPr>
                     </a:p>
                     <a:p>
@@ -27478,7 +27673,7 @@
                 </a:tc>
                 <a:extLst>
                   <a:ext uri="{0D108BD9-81ED-4DB2-BD59-A6C34878D82A}">
-                    <a16:rowId xmlns="" xmlns:a16="http://schemas.microsoft.com/office/drawing/2014/main" val="4076825768"/>
+                    <a16:rowId xmlns:a16="http://schemas.microsoft.com/office/drawing/2014/main" xmlns="" val="4076825768"/>
                   </a:ext>
                 </a:extLst>
               </a:tr>
@@ -27540,7 +27735,7 @@
           <p:cNvPr id="2" name="Title 1">
             <a:extLst>
               <a:ext uri="{FF2B5EF4-FFF2-40B4-BE49-F238E27FC236}">
-                <a16:creationId xmlns="" xmlns:a16="http://schemas.microsoft.com/office/drawing/2014/main" id="{E1535BF7-064B-D6E9-F490-72887F928E34}"/>
+                <a16:creationId xmlns:a16="http://schemas.microsoft.com/office/drawing/2014/main" xmlns="" id="{E1535BF7-064B-D6E9-F490-72887F928E34}"/>
               </a:ext>
             </a:extLst>
           </p:cNvPr>
@@ -27582,7 +27777,7 @@
           <p:cNvPr id="3" name="Content Placeholder 2">
             <a:extLst>
               <a:ext uri="{FF2B5EF4-FFF2-40B4-BE49-F238E27FC236}">
-                <a16:creationId xmlns="" xmlns:a16="http://schemas.microsoft.com/office/drawing/2014/main" id="{E0366B79-DEF4-91AD-7DD6-3FBAC3979E37}"/>
+                <a16:creationId xmlns:a16="http://schemas.microsoft.com/office/drawing/2014/main" xmlns="" id="{E0366B79-DEF4-91AD-7DD6-3FBAC3979E37}"/>
               </a:ext>
             </a:extLst>
           </p:cNvPr>
@@ -27747,7 +27942,7 @@
           <p:cNvPr id="2" name="Title 1">
             <a:extLst>
               <a:ext uri="{FF2B5EF4-FFF2-40B4-BE49-F238E27FC236}">
-                <a16:creationId xmlns="" xmlns:a16="http://schemas.microsoft.com/office/drawing/2014/main" id="{1870D205-85D1-1C9D-5EFA-2926F8254759}"/>
+                <a16:creationId xmlns:a16="http://schemas.microsoft.com/office/drawing/2014/main" xmlns="" id="{1870D205-85D1-1C9D-5EFA-2926F8254759}"/>
               </a:ext>
             </a:extLst>
           </p:cNvPr>
@@ -27794,7 +27989,7 @@
           <p:cNvPr id="3" name="Content Placeholder 2">
             <a:extLst>
               <a:ext uri="{FF2B5EF4-FFF2-40B4-BE49-F238E27FC236}">
-                <a16:creationId xmlns="" xmlns:a16="http://schemas.microsoft.com/office/drawing/2014/main" id="{05D8FD4C-55F1-9165-4467-AF0FFD5D90A2}"/>
+                <a16:creationId xmlns:a16="http://schemas.microsoft.com/office/drawing/2014/main" xmlns="" id="{05D8FD4C-55F1-9165-4467-AF0FFD5D90A2}"/>
               </a:ext>
             </a:extLst>
           </p:cNvPr>
@@ -28157,7 +28352,7 @@
           <p:cNvPr id="5" name="TextBox 4">
             <a:extLst>
               <a:ext uri="{FF2B5EF4-FFF2-40B4-BE49-F238E27FC236}">
-                <a16:creationId xmlns="" xmlns:a16="http://schemas.microsoft.com/office/drawing/2014/main" id="{253DF224-DBAD-A989-23FD-151371888BC9}"/>
+                <a16:creationId xmlns:a16="http://schemas.microsoft.com/office/drawing/2014/main" xmlns="" id="{253DF224-DBAD-A989-23FD-151371888BC9}"/>
               </a:ext>
             </a:extLst>
           </p:cNvPr>
@@ -28199,7 +28394,7 @@
           <p:cNvPr id="7" name="TextBox 6">
             <a:extLst>
               <a:ext uri="{FF2B5EF4-FFF2-40B4-BE49-F238E27FC236}">
-                <a16:creationId xmlns="" xmlns:a16="http://schemas.microsoft.com/office/drawing/2014/main" id="{2FCC43B6-A75F-42A2-CED7-A97CBDA1C7FC}"/>
+                <a16:creationId xmlns:a16="http://schemas.microsoft.com/office/drawing/2014/main" xmlns="" id="{2FCC43B6-A75F-42A2-CED7-A97CBDA1C7FC}"/>
               </a:ext>
             </a:extLst>
           </p:cNvPr>
